--- a/Flags.pptx
+++ b/Flags.pptx
@@ -6,8 +6,9 @@
   </p:sldMasterIdLst>
   <p:sldIdLst>
     <p:sldId id="256" r:id="rId2"/>
-    <p:sldId id="257" r:id="rId3"/>
-    <p:sldId id="258" r:id="rId4"/>
+    <p:sldId id="259" r:id="rId3"/>
+    <p:sldId id="257" r:id="rId4"/>
+    <p:sldId id="258" r:id="rId5"/>
   </p:sldIdLst>
   <p:sldSz cx="12192000" cy="6858000"/>
   <p:notesSz cx="6858000" cy="9144000"/>
@@ -261,7 +262,7 @@
           <a:p>
             <a:fld id="{3CDF0C77-35B9-4AC5-9F2A-5271641C2312}" type="datetimeFigureOut">
               <a:rPr lang="en-US" smtClean="0"/>
-              <a:t>5/9/2020</a:t>
+              <a:t>5/10/2020</a:t>
             </a:fld>
             <a:endParaRPr lang="en-US"/>
           </a:p>
@@ -459,7 +460,7 @@
           <a:p>
             <a:fld id="{3CDF0C77-35B9-4AC5-9F2A-5271641C2312}" type="datetimeFigureOut">
               <a:rPr lang="en-US" smtClean="0"/>
-              <a:t>5/9/2020</a:t>
+              <a:t>5/10/2020</a:t>
             </a:fld>
             <a:endParaRPr lang="en-US"/>
           </a:p>
@@ -667,7 +668,7 @@
           <a:p>
             <a:fld id="{3CDF0C77-35B9-4AC5-9F2A-5271641C2312}" type="datetimeFigureOut">
               <a:rPr lang="en-US" smtClean="0"/>
-              <a:t>5/9/2020</a:t>
+              <a:t>5/10/2020</a:t>
             </a:fld>
             <a:endParaRPr lang="en-US"/>
           </a:p>
@@ -865,7 +866,7 @@
           <a:p>
             <a:fld id="{3CDF0C77-35B9-4AC5-9F2A-5271641C2312}" type="datetimeFigureOut">
               <a:rPr lang="en-US" smtClean="0"/>
-              <a:t>5/9/2020</a:t>
+              <a:t>5/10/2020</a:t>
             </a:fld>
             <a:endParaRPr lang="en-US"/>
           </a:p>
@@ -1140,7 +1141,7 @@
           <a:p>
             <a:fld id="{3CDF0C77-35B9-4AC5-9F2A-5271641C2312}" type="datetimeFigureOut">
               <a:rPr lang="en-US" smtClean="0"/>
-              <a:t>5/9/2020</a:t>
+              <a:t>5/10/2020</a:t>
             </a:fld>
             <a:endParaRPr lang="en-US"/>
           </a:p>
@@ -1405,7 +1406,7 @@
           <a:p>
             <a:fld id="{3CDF0C77-35B9-4AC5-9F2A-5271641C2312}" type="datetimeFigureOut">
               <a:rPr lang="en-US" smtClean="0"/>
-              <a:t>5/9/2020</a:t>
+              <a:t>5/10/2020</a:t>
             </a:fld>
             <a:endParaRPr lang="en-US"/>
           </a:p>
@@ -1817,7 +1818,7 @@
           <a:p>
             <a:fld id="{3CDF0C77-35B9-4AC5-9F2A-5271641C2312}" type="datetimeFigureOut">
               <a:rPr lang="en-US" smtClean="0"/>
-              <a:t>5/9/2020</a:t>
+              <a:t>5/10/2020</a:t>
             </a:fld>
             <a:endParaRPr lang="en-US"/>
           </a:p>
@@ -1958,7 +1959,7 @@
           <a:p>
             <a:fld id="{3CDF0C77-35B9-4AC5-9F2A-5271641C2312}" type="datetimeFigureOut">
               <a:rPr lang="en-US" smtClean="0"/>
-              <a:t>5/9/2020</a:t>
+              <a:t>5/10/2020</a:t>
             </a:fld>
             <a:endParaRPr lang="en-US"/>
           </a:p>
@@ -2071,7 +2072,7 @@
           <a:p>
             <a:fld id="{3CDF0C77-35B9-4AC5-9F2A-5271641C2312}" type="datetimeFigureOut">
               <a:rPr lang="en-US" smtClean="0"/>
-              <a:t>5/9/2020</a:t>
+              <a:t>5/10/2020</a:t>
             </a:fld>
             <a:endParaRPr lang="en-US"/>
           </a:p>
@@ -2382,7 +2383,7 @@
           <a:p>
             <a:fld id="{3CDF0C77-35B9-4AC5-9F2A-5271641C2312}" type="datetimeFigureOut">
               <a:rPr lang="en-US" smtClean="0"/>
-              <a:t>5/9/2020</a:t>
+              <a:t>5/10/2020</a:t>
             </a:fld>
             <a:endParaRPr lang="en-US"/>
           </a:p>
@@ -2670,7 +2671,7 @@
           <a:p>
             <a:fld id="{3CDF0C77-35B9-4AC5-9F2A-5271641C2312}" type="datetimeFigureOut">
               <a:rPr lang="en-US" smtClean="0"/>
-              <a:t>5/9/2020</a:t>
+              <a:t>5/10/2020</a:t>
             </a:fld>
             <a:endParaRPr lang="en-US"/>
           </a:p>
@@ -2911,7 +2912,7 @@
           <a:p>
             <a:fld id="{3CDF0C77-35B9-4AC5-9F2A-5271641C2312}" type="datetimeFigureOut">
               <a:rPr lang="en-US" smtClean="0"/>
-              <a:t>5/9/2020</a:t>
+              <a:t>5/10/2020</a:t>
             </a:fld>
             <a:endParaRPr lang="en-US"/>
           </a:p>
@@ -3487,6 +3488,105 @@
           <a:chExt cx="0" cy="0"/>
         </a:xfrm>
       </p:grpSpPr>
+      <p:pic>
+        <p:nvPicPr>
+          <p:cNvPr id="7" name="Graphic 6" descr="Anchor">
+            <a:extLst>
+              <a:ext uri="{FF2B5EF4-FFF2-40B4-BE49-F238E27FC236}">
+                <a16:creationId xmlns:a16="http://schemas.microsoft.com/office/drawing/2014/main" id="{F7BED45A-5523-4F1A-892B-5EDDBA2DD736}"/>
+              </a:ext>
+            </a:extLst>
+          </p:cNvPr>
+          <p:cNvPicPr>
+            <a:picLocks noChangeAspect="1"/>
+          </p:cNvPicPr>
+          <p:nvPr/>
+        </p:nvPicPr>
+        <p:blipFill>
+          <a:blip r:embed="rId2">
+            <a:extLst>
+              <a:ext uri="{28A0092B-C50C-407E-A947-70E740481C1C}">
+                <a14:useLocalDpi xmlns:a14="http://schemas.microsoft.com/office/drawing/2010/main" val="0"/>
+              </a:ext>
+              <a:ext uri="{96DAC541-7B7A-43D3-8B79-37D633B846F1}">
+                <asvg:svgBlip xmlns:asvg="http://schemas.microsoft.com/office/drawing/2016/SVG/main" r:embed="rId3"/>
+              </a:ext>
+            </a:extLst>
+          </a:blip>
+          <a:stretch>
+            <a:fillRect/>
+          </a:stretch>
+        </p:blipFill>
+        <p:spPr>
+          <a:xfrm>
+            <a:off x="5638800" y="1173480"/>
+            <a:ext cx="4305300" cy="4305300"/>
+          </a:xfrm>
+          <a:prstGeom prst="rect">
+            <a:avLst/>
+          </a:prstGeom>
+        </p:spPr>
+      </p:pic>
+      <p:pic>
+        <p:nvPicPr>
+          <p:cNvPr id="9" name="Picture 8">
+            <a:extLst>
+              <a:ext uri="{FF2B5EF4-FFF2-40B4-BE49-F238E27FC236}">
+                <a16:creationId xmlns:a16="http://schemas.microsoft.com/office/drawing/2014/main" id="{C404858F-B088-4159-919B-32CE9F9FB521}"/>
+              </a:ext>
+            </a:extLst>
+          </p:cNvPr>
+          <p:cNvPicPr>
+            <a:picLocks noChangeAspect="1"/>
+          </p:cNvPicPr>
+          <p:nvPr/>
+        </p:nvPicPr>
+        <p:blipFill>
+          <a:blip r:embed="rId4"/>
+          <a:stretch>
+            <a:fillRect/>
+          </a:stretch>
+        </p:blipFill>
+        <p:spPr>
+          <a:xfrm>
+            <a:off x="2095500" y="1380371"/>
+            <a:ext cx="4304149" cy="4304149"/>
+          </a:xfrm>
+          <a:prstGeom prst="rect">
+            <a:avLst/>
+          </a:prstGeom>
+        </p:spPr>
+      </p:pic>
+    </p:spTree>
+    <p:extLst>
+      <p:ext uri="{BB962C8B-B14F-4D97-AF65-F5344CB8AC3E}">
+        <p14:creationId xmlns:p14="http://schemas.microsoft.com/office/powerpoint/2010/main" val="1235603394"/>
+      </p:ext>
+    </p:extLst>
+  </p:cSld>
+  <p:clrMapOvr>
+    <a:masterClrMapping/>
+  </p:clrMapOvr>
+</p:sld>
+</file>
+
+<file path=ppt/slides/slide3.xml><?xml version="1.0" encoding="utf-8"?>
+<p:sld xmlns:a="http://schemas.openxmlformats.org/drawingml/2006/main" xmlns:r="http://schemas.openxmlformats.org/officeDocument/2006/relationships" xmlns:p="http://schemas.openxmlformats.org/presentationml/2006/main">
+  <p:cSld>
+    <p:spTree>
+      <p:nvGrpSpPr>
+        <p:cNvPr id="1" name=""/>
+        <p:cNvGrpSpPr/>
+        <p:nvPr/>
+      </p:nvGrpSpPr>
+      <p:grpSpPr>
+        <a:xfrm>
+          <a:off x="0" y="0"/>
+          <a:ext cx="0" cy="0"/>
+          <a:chOff x="0" y="0"/>
+          <a:chExt cx="0" cy="0"/>
+        </a:xfrm>
+      </p:grpSpPr>
       <p:sp>
         <p:nvSpPr>
           <p:cNvPr id="4" name="Rectangle 3">
@@ -3582,7 +3682,7 @@
 </p:sld>
 </file>
 
-<file path=ppt/slides/slide3.xml><?xml version="1.0" encoding="utf-8"?>
+<file path=ppt/slides/slide4.xml><?xml version="1.0" encoding="utf-8"?>
 <p:sld xmlns:a="http://schemas.openxmlformats.org/drawingml/2006/main" xmlns:r="http://schemas.openxmlformats.org/officeDocument/2006/relationships" xmlns:p="http://schemas.openxmlformats.org/presentationml/2006/main">
   <p:cSld>
     <p:spTree>
@@ -3599,115 +3699,6 @@
           <a:chExt cx="0" cy="0"/>
         </a:xfrm>
       </p:grpSpPr>
-      <p:grpSp>
-        <p:nvGrpSpPr>
-          <p:cNvPr id="24" name="Group 23">
-            <a:extLst>
-              <a:ext uri="{FF2B5EF4-FFF2-40B4-BE49-F238E27FC236}">
-                <a16:creationId xmlns:a16="http://schemas.microsoft.com/office/drawing/2014/main" id="{B691DEAF-6104-4B5F-8149-321A3A974EDC}"/>
-              </a:ext>
-            </a:extLst>
-          </p:cNvPr>
-          <p:cNvGrpSpPr/>
-          <p:nvPr/>
-        </p:nvGrpSpPr>
-        <p:grpSpPr>
-          <a:xfrm>
-            <a:off x="1862328" y="3828288"/>
-            <a:ext cx="2743200" cy="2743200"/>
-            <a:chOff x="1862328" y="3828288"/>
-            <a:chExt cx="2743200" cy="2743200"/>
-          </a:xfrm>
-        </p:grpSpPr>
-        <p:sp>
-          <p:nvSpPr>
-            <p:cNvPr id="15" name="Oval 14">
-              <a:extLst>
-                <a:ext uri="{FF2B5EF4-FFF2-40B4-BE49-F238E27FC236}">
-                  <a16:creationId xmlns:a16="http://schemas.microsoft.com/office/drawing/2014/main" id="{4DE47DE8-1D15-4A6E-9C32-AA0266C3CD9D}"/>
-                </a:ext>
-              </a:extLst>
-            </p:cNvPr>
-            <p:cNvSpPr/>
-            <p:nvPr/>
-          </p:nvSpPr>
-          <p:spPr>
-            <a:xfrm>
-              <a:off x="1862328" y="3828288"/>
-              <a:ext cx="2743200" cy="2743200"/>
-            </a:xfrm>
-            <a:prstGeom prst="ellipse">
-              <a:avLst/>
-            </a:prstGeom>
-            <a:solidFill>
-              <a:srgbClr val="00B050"/>
-            </a:solidFill>
-            <a:ln>
-              <a:noFill/>
-            </a:ln>
-          </p:spPr>
-          <p:style>
-            <a:lnRef idx="2">
-              <a:schemeClr val="accent1">
-                <a:shade val="50000"/>
-              </a:schemeClr>
-            </a:lnRef>
-            <a:fillRef idx="1">
-              <a:schemeClr val="accent1"/>
-            </a:fillRef>
-            <a:effectRef idx="0">
-              <a:schemeClr val="accent1"/>
-            </a:effectRef>
-            <a:fontRef idx="minor">
-              <a:schemeClr val="lt1"/>
-            </a:fontRef>
-          </p:style>
-          <p:txBody>
-            <a:bodyPr rtlCol="0" anchor="ctr"/>
-            <a:lstStyle/>
-            <a:p>
-              <a:pPr algn="ctr"/>
-              <a:endParaRPr lang="en-US"/>
-            </a:p>
-          </p:txBody>
-        </p:sp>
-        <p:pic>
-          <p:nvPicPr>
-            <p:cNvPr id="10" name="Picture 9" descr="A close up of a logo&#10;&#10;Description automatically generated">
-              <a:extLst>
-                <a:ext uri="{FF2B5EF4-FFF2-40B4-BE49-F238E27FC236}">
-                  <a16:creationId xmlns:a16="http://schemas.microsoft.com/office/drawing/2014/main" id="{9687639E-02C2-4962-A620-E51A1154359E}"/>
-                </a:ext>
-              </a:extLst>
-            </p:cNvPr>
-            <p:cNvPicPr>
-              <a:picLocks noChangeAspect="1"/>
-            </p:cNvPicPr>
-            <p:nvPr/>
-          </p:nvPicPr>
-          <p:blipFill>
-            <a:blip r:embed="rId2">
-              <a:extLst>
-                <a:ext uri="{28A0092B-C50C-407E-A947-70E740481C1C}">
-                  <a14:useLocalDpi xmlns:a14="http://schemas.microsoft.com/office/drawing/2010/main" val="0"/>
-                </a:ext>
-              </a:extLst>
-            </a:blip>
-            <a:stretch>
-              <a:fillRect/>
-            </a:stretch>
-          </p:blipFill>
-          <p:spPr>
-            <a:xfrm>
-              <a:off x="2165987" y="4027789"/>
-              <a:ext cx="2135883" cy="2344198"/>
-            </a:xfrm>
-            <a:prstGeom prst="rect">
-              <a:avLst/>
-            </a:prstGeom>
-          </p:spPr>
-        </p:pic>
-      </p:grpSp>
       <p:grpSp>
         <p:nvGrpSpPr>
           <p:cNvPr id="23" name="Group 22">
@@ -3795,7 +3786,7 @@
             <p:nvPr/>
           </p:nvPicPr>
           <p:blipFill>
-            <a:blip r:embed="rId3">
+            <a:blip r:embed="rId2">
               <a:extLst>
                 <a:ext uri="{28A0092B-C50C-407E-A947-70E740481C1C}">
                   <a14:useLocalDpi xmlns:a14="http://schemas.microsoft.com/office/drawing/2010/main" val="0"/>
@@ -3904,7 +3895,7 @@
             <p:nvPr/>
           </p:nvPicPr>
           <p:blipFill>
-            <a:blip r:embed="rId4">
+            <a:blip r:embed="rId3">
               <a:extLst>
                 <a:ext uri="{28A0092B-C50C-407E-A947-70E740481C1C}">
                   <a14:useLocalDpi xmlns:a14="http://schemas.microsoft.com/office/drawing/2010/main" val="0"/>
@@ -4013,7 +4004,7 @@
             <p:nvPr/>
           </p:nvPicPr>
           <p:blipFill>
-            <a:blip r:embed="rId5"/>
+            <a:blip r:embed="rId4"/>
             <a:stretch>
               <a:fillRect/>
             </a:stretch>
@@ -4026,6 +4017,126 @@
             <a:prstGeom prst="rect">
               <a:avLst/>
             </a:prstGeom>
+          </p:spPr>
+        </p:pic>
+      </p:grpSp>
+      <p:grpSp>
+        <p:nvGrpSpPr>
+          <p:cNvPr id="3" name="Group 2">
+            <a:extLst>
+              <a:ext uri="{FF2B5EF4-FFF2-40B4-BE49-F238E27FC236}">
+                <a16:creationId xmlns:a16="http://schemas.microsoft.com/office/drawing/2014/main" id="{B44CE7F7-4F42-4E5F-8194-10951AFAB68F}"/>
+              </a:ext>
+            </a:extLst>
+          </p:cNvPr>
+          <p:cNvGrpSpPr/>
+          <p:nvPr/>
+        </p:nvGrpSpPr>
+        <p:grpSpPr>
+          <a:xfrm>
+            <a:off x="1862328" y="3828288"/>
+            <a:ext cx="2743200" cy="2743200"/>
+            <a:chOff x="1862328" y="3828288"/>
+            <a:chExt cx="2743200" cy="2743200"/>
+          </a:xfrm>
+        </p:grpSpPr>
+        <p:sp>
+          <p:nvSpPr>
+            <p:cNvPr id="15" name="Oval 14">
+              <a:extLst>
+                <a:ext uri="{FF2B5EF4-FFF2-40B4-BE49-F238E27FC236}">
+                  <a16:creationId xmlns:a16="http://schemas.microsoft.com/office/drawing/2014/main" id="{4DE47DE8-1D15-4A6E-9C32-AA0266C3CD9D}"/>
+                </a:ext>
+              </a:extLst>
+            </p:cNvPr>
+            <p:cNvSpPr/>
+            <p:nvPr/>
+          </p:nvSpPr>
+          <p:spPr>
+            <a:xfrm>
+              <a:off x="1862328" y="3828288"/>
+              <a:ext cx="2743200" cy="2743200"/>
+            </a:xfrm>
+            <a:prstGeom prst="ellipse">
+              <a:avLst/>
+            </a:prstGeom>
+            <a:solidFill>
+              <a:srgbClr val="00B050"/>
+            </a:solidFill>
+            <a:ln>
+              <a:noFill/>
+            </a:ln>
+          </p:spPr>
+          <p:style>
+            <a:lnRef idx="2">
+              <a:schemeClr val="accent1">
+                <a:shade val="50000"/>
+              </a:schemeClr>
+            </a:lnRef>
+            <a:fillRef idx="1">
+              <a:schemeClr val="accent1"/>
+            </a:fillRef>
+            <a:effectRef idx="0">
+              <a:schemeClr val="accent1"/>
+            </a:effectRef>
+            <a:fontRef idx="minor">
+              <a:schemeClr val="lt1"/>
+            </a:fontRef>
+          </p:style>
+          <p:txBody>
+            <a:bodyPr rtlCol="0" anchor="ctr"/>
+            <a:lstStyle/>
+            <a:p>
+              <a:pPr algn="ctr"/>
+              <a:endParaRPr lang="en-US"/>
+            </a:p>
+          </p:txBody>
+        </p:sp>
+        <p:pic>
+          <p:nvPicPr>
+            <p:cNvPr id="1026" name="Picture 2" descr="Black Fleur De Lis Clip Art | Flor de lis dibujo, Símbolos de ...">
+              <a:extLst>
+                <a:ext uri="{FF2B5EF4-FFF2-40B4-BE49-F238E27FC236}">
+                  <a16:creationId xmlns:a16="http://schemas.microsoft.com/office/drawing/2014/main" id="{65EA126F-7AB5-4B38-B7FF-601F780324F9}"/>
+                </a:ext>
+              </a:extLst>
+            </p:cNvPr>
+            <p:cNvPicPr>
+              <a:picLocks noChangeAspect="1" noChangeArrowheads="1"/>
+            </p:cNvPicPr>
+            <p:nvPr/>
+          </p:nvPicPr>
+          <p:blipFill>
+            <a:blip r:embed="rId5">
+              <a:extLst>
+                <a:ext uri="{28A0092B-C50C-407E-A947-70E740481C1C}">
+                  <a14:useLocalDpi xmlns:a14="http://schemas.microsoft.com/office/drawing/2010/main" val="0"/>
+                </a:ext>
+              </a:extLst>
+            </a:blip>
+            <a:srcRect/>
+            <a:stretch>
+              <a:fillRect/>
+            </a:stretch>
+          </p:blipFill>
+          <p:spPr bwMode="auto">
+            <a:xfrm>
+              <a:off x="2227787" y="4182657"/>
+              <a:ext cx="2023371" cy="2023371"/>
+            </a:xfrm>
+            <a:prstGeom prst="rect">
+              <a:avLst/>
+            </a:prstGeom>
+            <a:noFill/>
+            <a:extLst>
+              <a:ext uri="{909E8E84-426E-40DD-AFC4-6F175D3DCCD1}">
+                <a14:hiddenFill xmlns:a14="http://schemas.microsoft.com/office/drawing/2010/main">
+                  <a:solidFill>
+                    <a:srgbClr val="FFFFFF"/>
+                  </a:solidFill>
+                </a14:hiddenFill>
+              </a:ext>
+            </a:extLst>
           </p:spPr>
         </p:pic>
       </p:grpSp>
